--- a/Examples/Data/Charts/SetDataLabelsPercentageSign_out.pptx
+++ b/Examples/Data/Charts/SetDataLabelsPercentageSign_out.pptx
@@ -1,6 +1,6 @@
 
 <file path=ppt/presentation.xml><?xml version="1.0" encoding="utf-8"?>
-<!--Generated by Aspose.Slides for .NET 19.6-->
+<!--Generated by Aspose.Slides for .NET 21.12-->
 <p:presentation xmlns:r="http://schemas.openxmlformats.org/officeDocument/2006/relationships" xmlns:a="http://schemas.openxmlformats.org/drawingml/2006/main" xmlns:p="http://schemas.openxmlformats.org/presentationml/2006/main" saveSubsetFonts="1">
   <p:sldMasterIdLst>
     <p:sldMasterId id="2147483648" r:id="rId1"/>
@@ -112,7 +112,7 @@
 </file>
 
 <file path=ppt/charts/chart1.xml><?xml version="1.0" encoding="utf-8"?>
-<c:chartSpace xmlns:a="http://schemas.openxmlformats.org/drawingml/2006/main" xmlns:r="http://schemas.openxmlformats.org/officeDocument/2006/relationships" xmlns:c="http://schemas.openxmlformats.org/drawingml/2006/chart">
+<c:chartSpace xmlns:a="http://schemas.openxmlformats.org/drawingml/2006/main" xmlns:r="http://schemas.openxmlformats.org/officeDocument/2006/relationships" xmlns:m="http://schemas.openxmlformats.org/officeDocument/2006/math" xmlns:w="http://schemas.openxmlformats.org/wordprocessingml/2006/main" xmlns:wp="http://schemas.openxmlformats.org/drawingml/2006/wordprocessingDrawing" xmlns:a14="http://schemas.microsoft.com/office/drawing/2010/main" xmlns:c="http://schemas.openxmlformats.org/drawingml/2006/chart">
   <c:date1904 val="0"/>
   <c:lang val="ru-RU"/>
   <c:roundedCorners val="0"/>
@@ -176,6 +176,7 @@
             <c:showSerName val="0"/>
             <c:showPercent val="0"/>
             <c:showBubbleSize val="0"/>
+            <c:showLeaderLines val="0"/>
             <c:extLst/>
           </c:dLbls>
           <c:cat>
@@ -264,6 +265,7 @@
             <c:showSerName val="0"/>
             <c:showPercent val="0"/>
             <c:showBubbleSize val="0"/>
+            <c:showLeaderLines val="0"/>
             <c:extLst/>
           </c:dLbls>
           <c:cat>
@@ -376,11 +378,11 @@
 </file>
 
 <file path=ppt/slideLayouts/slideLayout1.xml><?xml version="1.0" encoding="utf-8"?>
-<p:sldLayout xmlns:a="http://schemas.openxmlformats.org/drawingml/2006/main" xmlns:r="http://schemas.openxmlformats.org/officeDocument/2006/relationships" xmlns:p14="http://schemas.microsoft.com/office/powerpoint/2010/main" xmlns:a14="http://schemas.microsoft.com/office/drawing/2010/main" xmlns:p15="http://schemas.microsoft.com/office/powerpoint/2012/main" xmlns:p159="http://schemas.microsoft.com/office/powerpoint/2015/09/main" xmlns:p="http://schemas.openxmlformats.org/presentationml/2006/main" type="title" preserve="1">
+<p:sldLayout xmlns:a="http://schemas.openxmlformats.org/drawingml/2006/main" xmlns:r="http://schemas.openxmlformats.org/officeDocument/2006/relationships" xmlns:m="http://schemas.openxmlformats.org/officeDocument/2006/math" xmlns:w="http://schemas.openxmlformats.org/wordprocessingml/2006/main" xmlns:wp="http://schemas.openxmlformats.org/drawingml/2006/wordprocessingDrawing" xmlns:a14="http://schemas.microsoft.com/office/drawing/2010/main" xmlns:mc="http://schemas.openxmlformats.org/markup-compatibility/2006" xmlns:p14="http://schemas.microsoft.com/office/powerpoint/2010/main" xmlns:p15="http://schemas.microsoft.com/office/powerpoint/2012/main" xmlns:p159="http://schemas.microsoft.com/office/powerpoint/2015/09/main" xmlns:p="http://schemas.openxmlformats.org/presentationml/2006/main" type="title" preserve="1">
   <p:cSld name="Title Slide">
     <p:spTree>
       <p:nvGrpSpPr>
-        <p:cNvPr id="1" name=""/>
+        <p:cNvPr id="1" name="" title=""/>
         <p:cNvGrpSpPr/>
         <p:nvPr/>
       </p:nvGrpSpPr>
@@ -392,7 +394,7 @@
       </p:grpSpPr>
       <p:sp>
         <p:nvSpPr>
-          <p:cNvPr id="2" name="Title 1"/>
+          <p:cNvPr id="2" name="Title 1" title=""/>
           <p:cNvSpPr>
             <a:spLocks noGrp="1"/>
           </p:cNvSpPr>
@@ -415,7 +417,7 @@
       </p:sp>
       <p:sp>
         <p:nvSpPr>
-          <p:cNvPr id="3" name="Subtitle 2"/>
+          <p:cNvPr id="3" name="Subtitle 2" title=""/>
           <p:cNvSpPr>
             <a:spLocks noGrp="1"/>
           </p:cNvSpPr>
@@ -529,7 +531,7 @@
       </p:sp>
       <p:sp>
         <p:nvSpPr>
-          <p:cNvPr id="4" name="Date Placeholder 3"/>
+          <p:cNvPr id="4" name="Date Placeholder 3" title=""/>
           <p:cNvSpPr>
             <a:spLocks noGrp="1"/>
           </p:cNvSpPr>
@@ -542,7 +544,7 @@
           <a:bodyPr/>
           <a:lstStyle/>
           <a:p>
-            <a:fld id="{81378B9F-9E98-4177-89C1-82BE3DC98C07}" type="datetimeFigureOut">
+            <a:fld id="{C0101E3D-64E6-4D55-BC71-41AAB5E220F6}" type="datetimeFigureOut">
               <a:rPr lang="en-US" smtClean="0"/>
               <a:t>11/7/2009</a:t>
             </a:fld>
@@ -552,7 +554,7 @@
       </p:sp>
       <p:sp>
         <p:nvSpPr>
-          <p:cNvPr id="5" name="Footer Placeholder 4"/>
+          <p:cNvPr id="5" name="Footer Placeholder 4" title=""/>
           <p:cNvSpPr>
             <a:spLocks noGrp="1"/>
           </p:cNvSpPr>
@@ -571,7 +573,7 @@
       </p:sp>
       <p:sp>
         <p:nvSpPr>
-          <p:cNvPr id="6" name="Slide Number Placeholder 5"/>
+          <p:cNvPr id="6" name="Slide Number Placeholder 5" title=""/>
           <p:cNvSpPr>
             <a:spLocks noGrp="1"/>
           </p:cNvSpPr>
@@ -603,11 +605,11 @@
 </file>
 
 <file path=ppt/slideLayouts/slideLayout10.xml><?xml version="1.0" encoding="utf-8"?>
-<p:sldLayout xmlns:a="http://schemas.openxmlformats.org/drawingml/2006/main" xmlns:r="http://schemas.openxmlformats.org/officeDocument/2006/relationships" xmlns:p14="http://schemas.microsoft.com/office/powerpoint/2010/main" xmlns:a14="http://schemas.microsoft.com/office/drawing/2010/main" xmlns:p15="http://schemas.microsoft.com/office/powerpoint/2012/main" xmlns:p159="http://schemas.microsoft.com/office/powerpoint/2015/09/main" xmlns:p="http://schemas.openxmlformats.org/presentationml/2006/main" type="vertTx" preserve="1">
+<p:sldLayout xmlns:a="http://schemas.openxmlformats.org/drawingml/2006/main" xmlns:r="http://schemas.openxmlformats.org/officeDocument/2006/relationships" xmlns:m="http://schemas.openxmlformats.org/officeDocument/2006/math" xmlns:w="http://schemas.openxmlformats.org/wordprocessingml/2006/main" xmlns:wp="http://schemas.openxmlformats.org/drawingml/2006/wordprocessingDrawing" xmlns:a14="http://schemas.microsoft.com/office/drawing/2010/main" xmlns:mc="http://schemas.openxmlformats.org/markup-compatibility/2006" xmlns:p14="http://schemas.microsoft.com/office/powerpoint/2010/main" xmlns:p15="http://schemas.microsoft.com/office/powerpoint/2012/main" xmlns:p159="http://schemas.microsoft.com/office/powerpoint/2015/09/main" xmlns:p="http://schemas.openxmlformats.org/presentationml/2006/main" type="vertTx" preserve="1">
   <p:cSld name="Title and Vertical Text">
     <p:spTree>
       <p:nvGrpSpPr>
-        <p:cNvPr id="1" name=""/>
+        <p:cNvPr id="1" name="" title=""/>
         <p:cNvGrpSpPr/>
         <p:nvPr/>
       </p:nvGrpSpPr>
@@ -619,7 +621,7 @@
       </p:grpSpPr>
       <p:sp>
         <p:nvSpPr>
-          <p:cNvPr id="2" name="Title 1"/>
+          <p:cNvPr id="2" name="Title 1" title=""/>
           <p:cNvSpPr>
             <a:spLocks noGrp="1"/>
           </p:cNvSpPr>
@@ -642,7 +644,7 @@
       </p:sp>
       <p:sp>
         <p:nvSpPr>
-          <p:cNvPr id="3" name="Vertical Text Placeholder 2"/>
+          <p:cNvPr id="3" name="Vertical Text Placeholder 2" title=""/>
           <p:cNvSpPr>
             <a:spLocks noGrp="1"/>
           </p:cNvSpPr>
@@ -693,7 +695,7 @@
       </p:sp>
       <p:sp>
         <p:nvSpPr>
-          <p:cNvPr id="4" name="Date Placeholder 3"/>
+          <p:cNvPr id="4" name="Date Placeholder 3" title=""/>
           <p:cNvSpPr>
             <a:spLocks noGrp="1"/>
           </p:cNvSpPr>
@@ -706,7 +708,7 @@
           <a:bodyPr/>
           <a:lstStyle/>
           <a:p>
-            <a:fld id="{7F8CA534-2AE2-44A8-9EC1-5D27E84C4630}" type="datetimeFigureOut">
+            <a:fld id="{6C5C4010-AFFE-4E4D-8ACB-EF605CF047ED}" type="datetimeFigureOut">
               <a:rPr lang="en-US" smtClean="0"/>
               <a:t>11/7/2009</a:t>
             </a:fld>
@@ -716,7 +718,7 @@
       </p:sp>
       <p:sp>
         <p:nvSpPr>
-          <p:cNvPr id="5" name="Footer Placeholder 4"/>
+          <p:cNvPr id="5" name="Footer Placeholder 4" title=""/>
           <p:cNvSpPr>
             <a:spLocks noGrp="1"/>
           </p:cNvSpPr>
@@ -735,7 +737,7 @@
       </p:sp>
       <p:sp>
         <p:nvSpPr>
-          <p:cNvPr id="6" name="Slide Number Placeholder 5"/>
+          <p:cNvPr id="6" name="Slide Number Placeholder 5" title=""/>
           <p:cNvSpPr>
             <a:spLocks noGrp="1"/>
           </p:cNvSpPr>
@@ -767,11 +769,11 @@
 </file>
 
 <file path=ppt/slideLayouts/slideLayout11.xml><?xml version="1.0" encoding="utf-8"?>
-<p:sldLayout xmlns:a="http://schemas.openxmlformats.org/drawingml/2006/main" xmlns:r="http://schemas.openxmlformats.org/officeDocument/2006/relationships" xmlns:p14="http://schemas.microsoft.com/office/powerpoint/2010/main" xmlns:a14="http://schemas.microsoft.com/office/drawing/2010/main" xmlns:p15="http://schemas.microsoft.com/office/powerpoint/2012/main" xmlns:p159="http://schemas.microsoft.com/office/powerpoint/2015/09/main" xmlns:p="http://schemas.openxmlformats.org/presentationml/2006/main" type="vertTitleAndTx" preserve="1">
+<p:sldLayout xmlns:a="http://schemas.openxmlformats.org/drawingml/2006/main" xmlns:r="http://schemas.openxmlformats.org/officeDocument/2006/relationships" xmlns:m="http://schemas.openxmlformats.org/officeDocument/2006/math" xmlns:w="http://schemas.openxmlformats.org/wordprocessingml/2006/main" xmlns:wp="http://schemas.openxmlformats.org/drawingml/2006/wordprocessingDrawing" xmlns:a14="http://schemas.microsoft.com/office/drawing/2010/main" xmlns:mc="http://schemas.openxmlformats.org/markup-compatibility/2006" xmlns:p14="http://schemas.microsoft.com/office/powerpoint/2010/main" xmlns:p15="http://schemas.microsoft.com/office/powerpoint/2012/main" xmlns:p159="http://schemas.microsoft.com/office/powerpoint/2015/09/main" xmlns:p="http://schemas.openxmlformats.org/presentationml/2006/main" type="vertTitleAndTx" preserve="1">
   <p:cSld name="Vertical Title and Text">
     <p:spTree>
       <p:nvGrpSpPr>
-        <p:cNvPr id="1" name=""/>
+        <p:cNvPr id="1" name="" title=""/>
         <p:cNvGrpSpPr/>
         <p:nvPr/>
       </p:nvGrpSpPr>
@@ -783,7 +785,7 @@
       </p:grpSpPr>
       <p:sp>
         <p:nvSpPr>
-          <p:cNvPr id="2" name="Vertical Title 1"/>
+          <p:cNvPr id="2" name="Vertical Title 1" title=""/>
           <p:cNvSpPr>
             <a:spLocks noGrp="1"/>
           </p:cNvSpPr>
@@ -806,7 +808,7 @@
       </p:sp>
       <p:sp>
         <p:nvSpPr>
-          <p:cNvPr id="3" name="Vertical Text Placeholder 2"/>
+          <p:cNvPr id="3" name="Vertical Text Placeholder 2" title=""/>
           <p:cNvSpPr>
             <a:spLocks noGrp="1"/>
           </p:cNvSpPr>
@@ -857,7 +859,7 @@
       </p:sp>
       <p:sp>
         <p:nvSpPr>
-          <p:cNvPr id="4" name="Date Placeholder 3"/>
+          <p:cNvPr id="4" name="Date Placeholder 3" title=""/>
           <p:cNvSpPr>
             <a:spLocks noGrp="1"/>
           </p:cNvSpPr>
@@ -870,7 +872,7 @@
           <a:bodyPr/>
           <a:lstStyle/>
           <a:p>
-            <a:fld id="{42A85904-6BAD-4714-BD81-2CB92230DC25}" type="datetimeFigureOut">
+            <a:fld id="{83A81570-442A-49FD-B9DB-DF92A4719912}" type="datetimeFigureOut">
               <a:rPr lang="en-US" smtClean="0"/>
               <a:t>11/7/2009</a:t>
             </a:fld>
@@ -880,7 +882,7 @@
       </p:sp>
       <p:sp>
         <p:nvSpPr>
-          <p:cNvPr id="5" name="Footer Placeholder 4"/>
+          <p:cNvPr id="5" name="Footer Placeholder 4" title=""/>
           <p:cNvSpPr>
             <a:spLocks noGrp="1"/>
           </p:cNvSpPr>
@@ -899,7 +901,7 @@
       </p:sp>
       <p:sp>
         <p:nvSpPr>
-          <p:cNvPr id="6" name="Slide Number Placeholder 5"/>
+          <p:cNvPr id="6" name="Slide Number Placeholder 5" title=""/>
           <p:cNvSpPr>
             <a:spLocks noGrp="1"/>
           </p:cNvSpPr>
@@ -931,11 +933,11 @@
 </file>
 
 <file path=ppt/slideLayouts/slideLayout2.xml><?xml version="1.0" encoding="utf-8"?>
-<p:sldLayout xmlns:a="http://schemas.openxmlformats.org/drawingml/2006/main" xmlns:r="http://schemas.openxmlformats.org/officeDocument/2006/relationships" xmlns:p14="http://schemas.microsoft.com/office/powerpoint/2010/main" xmlns:a14="http://schemas.microsoft.com/office/drawing/2010/main" xmlns:p15="http://schemas.microsoft.com/office/powerpoint/2012/main" xmlns:p159="http://schemas.microsoft.com/office/powerpoint/2015/09/main" xmlns:p="http://schemas.openxmlformats.org/presentationml/2006/main" type="obj" preserve="1">
+<p:sldLayout xmlns:a="http://schemas.openxmlformats.org/drawingml/2006/main" xmlns:r="http://schemas.openxmlformats.org/officeDocument/2006/relationships" xmlns:m="http://schemas.openxmlformats.org/officeDocument/2006/math" xmlns:w="http://schemas.openxmlformats.org/wordprocessingml/2006/main" xmlns:wp="http://schemas.openxmlformats.org/drawingml/2006/wordprocessingDrawing" xmlns:a14="http://schemas.microsoft.com/office/drawing/2010/main" xmlns:mc="http://schemas.openxmlformats.org/markup-compatibility/2006" xmlns:p14="http://schemas.microsoft.com/office/powerpoint/2010/main" xmlns:p15="http://schemas.microsoft.com/office/powerpoint/2012/main" xmlns:p159="http://schemas.microsoft.com/office/powerpoint/2015/09/main" xmlns:p="http://schemas.openxmlformats.org/presentationml/2006/main" type="obj" preserve="1">
   <p:cSld name="Title and Content">
     <p:spTree>
       <p:nvGrpSpPr>
-        <p:cNvPr id="1" name=""/>
+        <p:cNvPr id="1" name="" title=""/>
         <p:cNvGrpSpPr/>
         <p:nvPr/>
       </p:nvGrpSpPr>
@@ -947,7 +949,7 @@
       </p:grpSpPr>
       <p:sp>
         <p:nvSpPr>
-          <p:cNvPr id="2" name="Title 1"/>
+          <p:cNvPr id="2" name="Title 1" title=""/>
           <p:cNvSpPr>
             <a:spLocks noGrp="1"/>
           </p:cNvSpPr>
@@ -970,7 +972,7 @@
       </p:sp>
       <p:sp>
         <p:nvSpPr>
-          <p:cNvPr id="3" name="Content Placeholder 2"/>
+          <p:cNvPr id="3" name="Content Placeholder 2" title=""/>
           <p:cNvSpPr>
             <a:spLocks noGrp="1"/>
           </p:cNvSpPr>
@@ -1021,7 +1023,7 @@
       </p:sp>
       <p:sp>
         <p:nvSpPr>
-          <p:cNvPr id="4" name="Date Placeholder 3"/>
+          <p:cNvPr id="4" name="Date Placeholder 3" title=""/>
           <p:cNvSpPr>
             <a:spLocks noGrp="1"/>
           </p:cNvSpPr>
@@ -1034,7 +1036,7 @@
           <a:bodyPr/>
           <a:lstStyle/>
           <a:p>
-            <a:fld id="{285BEE8B-6B08-4DAE-9430-03B493DDD8E3}" type="datetimeFigureOut">
+            <a:fld id="{DC54E269-4D9C-4E8D-9249-76321076C9FA}" type="datetimeFigureOut">
               <a:rPr lang="en-US" smtClean="0"/>
               <a:t>11/7/2009</a:t>
             </a:fld>
@@ -1044,7 +1046,7 @@
       </p:sp>
       <p:sp>
         <p:nvSpPr>
-          <p:cNvPr id="5" name="Footer Placeholder 4"/>
+          <p:cNvPr id="5" name="Footer Placeholder 4" title=""/>
           <p:cNvSpPr>
             <a:spLocks noGrp="1"/>
           </p:cNvSpPr>
@@ -1063,7 +1065,7 @@
       </p:sp>
       <p:sp>
         <p:nvSpPr>
-          <p:cNvPr id="6" name="Slide Number Placeholder 5"/>
+          <p:cNvPr id="6" name="Slide Number Placeholder 5" title=""/>
           <p:cNvSpPr>
             <a:spLocks noGrp="1"/>
           </p:cNvSpPr>
@@ -1095,11 +1097,11 @@
 </file>
 
 <file path=ppt/slideLayouts/slideLayout3.xml><?xml version="1.0" encoding="utf-8"?>
-<p:sldLayout xmlns:a="http://schemas.openxmlformats.org/drawingml/2006/main" xmlns:r="http://schemas.openxmlformats.org/officeDocument/2006/relationships" xmlns:p14="http://schemas.microsoft.com/office/powerpoint/2010/main" xmlns:a14="http://schemas.microsoft.com/office/drawing/2010/main" xmlns:p15="http://schemas.microsoft.com/office/powerpoint/2012/main" xmlns:p159="http://schemas.microsoft.com/office/powerpoint/2015/09/main" xmlns:p="http://schemas.openxmlformats.org/presentationml/2006/main" type="secHead" preserve="1">
+<p:sldLayout xmlns:a="http://schemas.openxmlformats.org/drawingml/2006/main" xmlns:r="http://schemas.openxmlformats.org/officeDocument/2006/relationships" xmlns:m="http://schemas.openxmlformats.org/officeDocument/2006/math" xmlns:w="http://schemas.openxmlformats.org/wordprocessingml/2006/main" xmlns:wp="http://schemas.openxmlformats.org/drawingml/2006/wordprocessingDrawing" xmlns:a14="http://schemas.microsoft.com/office/drawing/2010/main" xmlns:mc="http://schemas.openxmlformats.org/markup-compatibility/2006" xmlns:p14="http://schemas.microsoft.com/office/powerpoint/2010/main" xmlns:p15="http://schemas.microsoft.com/office/powerpoint/2012/main" xmlns:p159="http://schemas.microsoft.com/office/powerpoint/2015/09/main" xmlns:p="http://schemas.openxmlformats.org/presentationml/2006/main" type="secHead" preserve="1">
   <p:cSld name="Section Header">
     <p:spTree>
       <p:nvGrpSpPr>
-        <p:cNvPr id="1" name=""/>
+        <p:cNvPr id="1" name="" title=""/>
         <p:cNvGrpSpPr/>
         <p:nvPr/>
       </p:nvGrpSpPr>
@@ -1111,7 +1113,7 @@
       </p:grpSpPr>
       <p:sp>
         <p:nvSpPr>
-          <p:cNvPr id="2" name="Title 1"/>
+          <p:cNvPr id="2" name="Title 1" title=""/>
           <p:cNvSpPr>
             <a:spLocks noGrp="1"/>
           </p:cNvSpPr>
@@ -1138,7 +1140,7 @@
       </p:sp>
       <p:sp>
         <p:nvSpPr>
-          <p:cNvPr id="3" name="Text Placeholder 2"/>
+          <p:cNvPr id="3" name="Text Placeholder 2" title=""/>
           <p:cNvSpPr>
             <a:spLocks noGrp="1"/>
           </p:cNvSpPr>
@@ -1251,7 +1253,7 @@
       </p:sp>
       <p:sp>
         <p:nvSpPr>
-          <p:cNvPr id="4" name="Date Placeholder 3"/>
+          <p:cNvPr id="4" name="Date Placeholder 3" title=""/>
           <p:cNvSpPr>
             <a:spLocks noGrp="1"/>
           </p:cNvSpPr>
@@ -1264,7 +1266,7 @@
           <a:bodyPr/>
           <a:lstStyle/>
           <a:p>
-            <a:fld id="{20E7EFFE-9139-4F1C-B6B4-956DA999044D}" type="datetimeFigureOut">
+            <a:fld id="{44955890-F7FA-4D0A-96EE-5B91DA27A41B}" type="datetimeFigureOut">
               <a:rPr lang="en-US" smtClean="0"/>
               <a:t>11/7/2009</a:t>
             </a:fld>
@@ -1274,7 +1276,7 @@
       </p:sp>
       <p:sp>
         <p:nvSpPr>
-          <p:cNvPr id="5" name="Footer Placeholder 4"/>
+          <p:cNvPr id="5" name="Footer Placeholder 4" title=""/>
           <p:cNvSpPr>
             <a:spLocks noGrp="1"/>
           </p:cNvSpPr>
@@ -1293,7 +1295,7 @@
       </p:sp>
       <p:sp>
         <p:nvSpPr>
-          <p:cNvPr id="6" name="Slide Number Placeholder 5"/>
+          <p:cNvPr id="6" name="Slide Number Placeholder 5" title=""/>
           <p:cNvSpPr>
             <a:spLocks noGrp="1"/>
           </p:cNvSpPr>
@@ -1325,11 +1327,11 @@
 </file>
 
 <file path=ppt/slideLayouts/slideLayout4.xml><?xml version="1.0" encoding="utf-8"?>
-<p:sldLayout xmlns:a="http://schemas.openxmlformats.org/drawingml/2006/main" xmlns:r="http://schemas.openxmlformats.org/officeDocument/2006/relationships" xmlns:p14="http://schemas.microsoft.com/office/powerpoint/2010/main" xmlns:a14="http://schemas.microsoft.com/office/drawing/2010/main" xmlns:p15="http://schemas.microsoft.com/office/powerpoint/2012/main" xmlns:p159="http://schemas.microsoft.com/office/powerpoint/2015/09/main" xmlns:p="http://schemas.openxmlformats.org/presentationml/2006/main" type="twoObj" preserve="1">
+<p:sldLayout xmlns:a="http://schemas.openxmlformats.org/drawingml/2006/main" xmlns:r="http://schemas.openxmlformats.org/officeDocument/2006/relationships" xmlns:m="http://schemas.openxmlformats.org/officeDocument/2006/math" xmlns:w="http://schemas.openxmlformats.org/wordprocessingml/2006/main" xmlns:wp="http://schemas.openxmlformats.org/drawingml/2006/wordprocessingDrawing" xmlns:a14="http://schemas.microsoft.com/office/drawing/2010/main" xmlns:mc="http://schemas.openxmlformats.org/markup-compatibility/2006" xmlns:p14="http://schemas.microsoft.com/office/powerpoint/2010/main" xmlns:p15="http://schemas.microsoft.com/office/powerpoint/2012/main" xmlns:p159="http://schemas.microsoft.com/office/powerpoint/2015/09/main" xmlns:p="http://schemas.openxmlformats.org/presentationml/2006/main" type="twoObj" preserve="1">
   <p:cSld name="Two Content">
     <p:spTree>
       <p:nvGrpSpPr>
-        <p:cNvPr id="1" name=""/>
+        <p:cNvPr id="1" name="" title=""/>
         <p:cNvGrpSpPr/>
         <p:nvPr/>
       </p:nvGrpSpPr>
@@ -1341,7 +1343,7 @@
       </p:grpSpPr>
       <p:sp>
         <p:nvSpPr>
-          <p:cNvPr id="2" name="Title 1"/>
+          <p:cNvPr id="2" name="Title 1" title=""/>
           <p:cNvSpPr>
             <a:spLocks noGrp="1"/>
           </p:cNvSpPr>
@@ -1364,7 +1366,7 @@
       </p:sp>
       <p:sp>
         <p:nvSpPr>
-          <p:cNvPr id="3" name="Content Placeholder 2"/>
+          <p:cNvPr id="3" name="Content Placeholder 2" title=""/>
           <p:cNvSpPr>
             <a:spLocks noGrp="1"/>
           </p:cNvSpPr>
@@ -1443,7 +1445,7 @@
       </p:sp>
       <p:sp>
         <p:nvSpPr>
-          <p:cNvPr id="4" name="Content Placeholder 3"/>
+          <p:cNvPr id="4" name="Content Placeholder 3" title=""/>
           <p:cNvSpPr>
             <a:spLocks noGrp="1"/>
           </p:cNvSpPr>
@@ -1522,7 +1524,7 @@
       </p:sp>
       <p:sp>
         <p:nvSpPr>
-          <p:cNvPr id="5" name="Date Placeholder 4"/>
+          <p:cNvPr id="5" name="Date Placeholder 4" title=""/>
           <p:cNvSpPr>
             <a:spLocks noGrp="1"/>
           </p:cNvSpPr>
@@ -1535,7 +1537,7 @@
           <a:bodyPr/>
           <a:lstStyle/>
           <a:p>
-            <a:fld id="{2430F9AE-E54E-47BA-B695-D7A3168B4647}" type="datetimeFigureOut">
+            <a:fld id="{A66C4535-1D55-494B-9341-FF14A11841B5}" type="datetimeFigureOut">
               <a:rPr lang="en-US" smtClean="0"/>
               <a:t>11/7/2009</a:t>
             </a:fld>
@@ -1545,7 +1547,7 @@
       </p:sp>
       <p:sp>
         <p:nvSpPr>
-          <p:cNvPr id="6" name="Footer Placeholder 5"/>
+          <p:cNvPr id="6" name="Footer Placeholder 5" title=""/>
           <p:cNvSpPr>
             <a:spLocks noGrp="1"/>
           </p:cNvSpPr>
@@ -1564,7 +1566,7 @@
       </p:sp>
       <p:sp>
         <p:nvSpPr>
-          <p:cNvPr id="7" name="Slide Number Placeholder 6"/>
+          <p:cNvPr id="7" name="Slide Number Placeholder 6" title=""/>
           <p:cNvSpPr>
             <a:spLocks noGrp="1"/>
           </p:cNvSpPr>
@@ -1596,11 +1598,11 @@
 </file>
 
 <file path=ppt/slideLayouts/slideLayout5.xml><?xml version="1.0" encoding="utf-8"?>
-<p:sldLayout xmlns:a="http://schemas.openxmlformats.org/drawingml/2006/main" xmlns:r="http://schemas.openxmlformats.org/officeDocument/2006/relationships" xmlns:p14="http://schemas.microsoft.com/office/powerpoint/2010/main" xmlns:a14="http://schemas.microsoft.com/office/drawing/2010/main" xmlns:p15="http://schemas.microsoft.com/office/powerpoint/2012/main" xmlns:p159="http://schemas.microsoft.com/office/powerpoint/2015/09/main" xmlns:p="http://schemas.openxmlformats.org/presentationml/2006/main" type="twoTxTwoObj" preserve="1">
+<p:sldLayout xmlns:a="http://schemas.openxmlformats.org/drawingml/2006/main" xmlns:r="http://schemas.openxmlformats.org/officeDocument/2006/relationships" xmlns:m="http://schemas.openxmlformats.org/officeDocument/2006/math" xmlns:w="http://schemas.openxmlformats.org/wordprocessingml/2006/main" xmlns:wp="http://schemas.openxmlformats.org/drawingml/2006/wordprocessingDrawing" xmlns:a14="http://schemas.microsoft.com/office/drawing/2010/main" xmlns:mc="http://schemas.openxmlformats.org/markup-compatibility/2006" xmlns:p14="http://schemas.microsoft.com/office/powerpoint/2010/main" xmlns:p15="http://schemas.microsoft.com/office/powerpoint/2012/main" xmlns:p159="http://schemas.microsoft.com/office/powerpoint/2015/09/main" xmlns:p="http://schemas.openxmlformats.org/presentationml/2006/main" type="twoTxTwoObj" preserve="1">
   <p:cSld name="Comparison">
     <p:spTree>
       <p:nvGrpSpPr>
-        <p:cNvPr id="1" name=""/>
+        <p:cNvPr id="1" name="" title=""/>
         <p:cNvGrpSpPr/>
         <p:nvPr/>
       </p:nvGrpSpPr>
@@ -1612,7 +1614,7 @@
       </p:grpSpPr>
       <p:sp>
         <p:nvSpPr>
-          <p:cNvPr id="2" name="Title 1"/>
+          <p:cNvPr id="2" name="Title 1" title=""/>
           <p:cNvSpPr>
             <a:spLocks noGrp="1"/>
           </p:cNvSpPr>
@@ -1635,7 +1637,7 @@
       </p:sp>
       <p:sp>
         <p:nvSpPr>
-          <p:cNvPr id="3" name="Text Placeholder 2"/>
+          <p:cNvPr id="3" name="Text Placeholder 2" title=""/>
           <p:cNvSpPr>
             <a:spLocks noGrp="1"/>
           </p:cNvSpPr>
@@ -1694,7 +1696,7 @@
       </p:sp>
       <p:sp>
         <p:nvSpPr>
-          <p:cNvPr id="4" name="Content Placeholder 3"/>
+          <p:cNvPr id="4" name="Content Placeholder 3" title=""/>
           <p:cNvSpPr>
             <a:spLocks noGrp="1"/>
           </p:cNvSpPr>
@@ -1773,7 +1775,7 @@
       </p:sp>
       <p:sp>
         <p:nvSpPr>
-          <p:cNvPr id="5" name="Text Placeholder 4"/>
+          <p:cNvPr id="5" name="Text Placeholder 4" title=""/>
           <p:cNvSpPr>
             <a:spLocks noGrp="1"/>
           </p:cNvSpPr>
@@ -1832,7 +1834,7 @@
       </p:sp>
       <p:sp>
         <p:nvSpPr>
-          <p:cNvPr id="6" name="Content Placeholder 5"/>
+          <p:cNvPr id="6" name="Content Placeholder 5" title=""/>
           <p:cNvSpPr>
             <a:spLocks noGrp="1"/>
           </p:cNvSpPr>
@@ -1911,7 +1913,7 @@
       </p:sp>
       <p:sp>
         <p:nvSpPr>
-          <p:cNvPr id="7" name="Date Placeholder 6"/>
+          <p:cNvPr id="7" name="Date Placeholder 6" title=""/>
           <p:cNvSpPr>
             <a:spLocks noGrp="1"/>
           </p:cNvSpPr>
@@ -1924,7 +1926,7 @@
           <a:bodyPr/>
           <a:lstStyle/>
           <a:p>
-            <a:fld id="{A6DED8D9-F63F-422E-912C-42B5839C5398}" type="datetimeFigureOut">
+            <a:fld id="{1ECBC3CB-1199-4B26-978A-47A117B30DD8}" type="datetimeFigureOut">
               <a:rPr lang="en-US" smtClean="0"/>
               <a:t>11/7/2009</a:t>
             </a:fld>
@@ -1934,7 +1936,7 @@
       </p:sp>
       <p:sp>
         <p:nvSpPr>
-          <p:cNvPr id="8" name="Footer Placeholder 7"/>
+          <p:cNvPr id="8" name="Footer Placeholder 7" title=""/>
           <p:cNvSpPr>
             <a:spLocks noGrp="1"/>
           </p:cNvSpPr>
@@ -1953,7 +1955,7 @@
       </p:sp>
       <p:sp>
         <p:nvSpPr>
-          <p:cNvPr id="9" name="Slide Number Placeholder 8"/>
+          <p:cNvPr id="9" name="Slide Number Placeholder 8" title=""/>
           <p:cNvSpPr>
             <a:spLocks noGrp="1"/>
           </p:cNvSpPr>
@@ -1985,11 +1987,11 @@
 </file>
 
 <file path=ppt/slideLayouts/slideLayout6.xml><?xml version="1.0" encoding="utf-8"?>
-<p:sldLayout xmlns:a="http://schemas.openxmlformats.org/drawingml/2006/main" xmlns:r="http://schemas.openxmlformats.org/officeDocument/2006/relationships" xmlns:p14="http://schemas.microsoft.com/office/powerpoint/2010/main" xmlns:a14="http://schemas.microsoft.com/office/drawing/2010/main" xmlns:p15="http://schemas.microsoft.com/office/powerpoint/2012/main" xmlns:p159="http://schemas.microsoft.com/office/powerpoint/2015/09/main" xmlns:p="http://schemas.openxmlformats.org/presentationml/2006/main" type="titleOnly" preserve="1">
+<p:sldLayout xmlns:a="http://schemas.openxmlformats.org/drawingml/2006/main" xmlns:r="http://schemas.openxmlformats.org/officeDocument/2006/relationships" xmlns:m="http://schemas.openxmlformats.org/officeDocument/2006/math" xmlns:w="http://schemas.openxmlformats.org/wordprocessingml/2006/main" xmlns:wp="http://schemas.openxmlformats.org/drawingml/2006/wordprocessingDrawing" xmlns:a14="http://schemas.microsoft.com/office/drawing/2010/main" xmlns:mc="http://schemas.openxmlformats.org/markup-compatibility/2006" xmlns:p14="http://schemas.microsoft.com/office/powerpoint/2010/main" xmlns:p15="http://schemas.microsoft.com/office/powerpoint/2012/main" xmlns:p159="http://schemas.microsoft.com/office/powerpoint/2015/09/main" xmlns:p="http://schemas.openxmlformats.org/presentationml/2006/main" type="titleOnly" preserve="1">
   <p:cSld name="Title Only">
     <p:spTree>
       <p:nvGrpSpPr>
-        <p:cNvPr id="1" name=""/>
+        <p:cNvPr id="1" name="" title=""/>
         <p:cNvGrpSpPr/>
         <p:nvPr/>
       </p:nvGrpSpPr>
@@ -2001,7 +2003,7 @@
       </p:grpSpPr>
       <p:sp>
         <p:nvSpPr>
-          <p:cNvPr id="2" name="Title 1"/>
+          <p:cNvPr id="2" name="Title 1" title=""/>
           <p:cNvSpPr>
             <a:spLocks noGrp="1"/>
           </p:cNvSpPr>
@@ -2024,7 +2026,7 @@
       </p:sp>
       <p:sp>
         <p:nvSpPr>
-          <p:cNvPr id="3" name="Date Placeholder 2"/>
+          <p:cNvPr id="3" name="Date Placeholder 2" title=""/>
           <p:cNvSpPr>
             <a:spLocks noGrp="1"/>
           </p:cNvSpPr>
@@ -2037,7 +2039,7 @@
           <a:bodyPr/>
           <a:lstStyle/>
           <a:p>
-            <a:fld id="{79CD78E8-4A2B-41D2-B7EB-47FF6F0CF416}" type="datetimeFigureOut">
+            <a:fld id="{66C87FFA-3653-4712-8D97-BDB60B4F3014}" type="datetimeFigureOut">
               <a:rPr lang="en-US" smtClean="0"/>
               <a:t>11/7/2009</a:t>
             </a:fld>
@@ -2047,7 +2049,7 @@
       </p:sp>
       <p:sp>
         <p:nvSpPr>
-          <p:cNvPr id="4" name="Footer Placeholder 3"/>
+          <p:cNvPr id="4" name="Footer Placeholder 3" title=""/>
           <p:cNvSpPr>
             <a:spLocks noGrp="1"/>
           </p:cNvSpPr>
@@ -2066,7 +2068,7 @@
       </p:sp>
       <p:sp>
         <p:nvSpPr>
-          <p:cNvPr id="5" name="Slide Number Placeholder 4"/>
+          <p:cNvPr id="5" name="Slide Number Placeholder 4" title=""/>
           <p:cNvSpPr>
             <a:spLocks noGrp="1"/>
           </p:cNvSpPr>
@@ -2098,11 +2100,11 @@
 </file>
 
 <file path=ppt/slideLayouts/slideLayout7.xml><?xml version="1.0" encoding="utf-8"?>
-<p:sldLayout xmlns:a="http://schemas.openxmlformats.org/drawingml/2006/main" xmlns:r="http://schemas.openxmlformats.org/officeDocument/2006/relationships" xmlns:p14="http://schemas.microsoft.com/office/powerpoint/2010/main" xmlns:a14="http://schemas.microsoft.com/office/drawing/2010/main" xmlns:p15="http://schemas.microsoft.com/office/powerpoint/2012/main" xmlns:p159="http://schemas.microsoft.com/office/powerpoint/2015/09/main" xmlns:p="http://schemas.openxmlformats.org/presentationml/2006/main" type="blank" preserve="1">
+<p:sldLayout xmlns:a="http://schemas.openxmlformats.org/drawingml/2006/main" xmlns:r="http://schemas.openxmlformats.org/officeDocument/2006/relationships" xmlns:m="http://schemas.openxmlformats.org/officeDocument/2006/math" xmlns:w="http://schemas.openxmlformats.org/wordprocessingml/2006/main" xmlns:wp="http://schemas.openxmlformats.org/drawingml/2006/wordprocessingDrawing" xmlns:a14="http://schemas.microsoft.com/office/drawing/2010/main" xmlns:mc="http://schemas.openxmlformats.org/markup-compatibility/2006" xmlns:p14="http://schemas.microsoft.com/office/powerpoint/2010/main" xmlns:p15="http://schemas.microsoft.com/office/powerpoint/2012/main" xmlns:p159="http://schemas.microsoft.com/office/powerpoint/2015/09/main" xmlns:p="http://schemas.openxmlformats.org/presentationml/2006/main" type="blank" preserve="1">
   <p:cSld name="Blank">
     <p:spTree>
       <p:nvGrpSpPr>
-        <p:cNvPr id="1" name=""/>
+        <p:cNvPr id="1" name="" title=""/>
         <p:cNvGrpSpPr/>
         <p:nvPr/>
       </p:nvGrpSpPr>
@@ -2114,7 +2116,7 @@
       </p:grpSpPr>
       <p:sp>
         <p:nvSpPr>
-          <p:cNvPr id="2" name="Date Placeholder 1"/>
+          <p:cNvPr id="2" name="Date Placeholder 1" title=""/>
           <p:cNvSpPr>
             <a:spLocks noGrp="1"/>
           </p:cNvSpPr>
@@ -2127,7 +2129,7 @@
           <a:bodyPr/>
           <a:lstStyle/>
           <a:p>
-            <a:fld id="{F5A71C88-D9D9-409F-8F58-877F6D7A60BA}" type="datetimeFigureOut">
+            <a:fld id="{51300100-0850-49A1-93D0-869D75AB69FB}" type="datetimeFigureOut">
               <a:rPr lang="en-US" smtClean="0"/>
               <a:t>11/7/2009</a:t>
             </a:fld>
@@ -2137,7 +2139,7 @@
       </p:sp>
       <p:sp>
         <p:nvSpPr>
-          <p:cNvPr id="3" name="Footer Placeholder 2"/>
+          <p:cNvPr id="3" name="Footer Placeholder 2" title=""/>
           <p:cNvSpPr>
             <a:spLocks noGrp="1"/>
           </p:cNvSpPr>
@@ -2156,7 +2158,7 @@
       </p:sp>
       <p:sp>
         <p:nvSpPr>
-          <p:cNvPr id="4" name="Slide Number Placeholder 3"/>
+          <p:cNvPr id="4" name="Slide Number Placeholder 3" title=""/>
           <p:cNvSpPr>
             <a:spLocks noGrp="1"/>
           </p:cNvSpPr>
@@ -2188,11 +2190,11 @@
 </file>
 
 <file path=ppt/slideLayouts/slideLayout8.xml><?xml version="1.0" encoding="utf-8"?>
-<p:sldLayout xmlns:a="http://schemas.openxmlformats.org/drawingml/2006/main" xmlns:r="http://schemas.openxmlformats.org/officeDocument/2006/relationships" xmlns:p14="http://schemas.microsoft.com/office/powerpoint/2010/main" xmlns:a14="http://schemas.microsoft.com/office/drawing/2010/main" xmlns:p15="http://schemas.microsoft.com/office/powerpoint/2012/main" xmlns:p159="http://schemas.microsoft.com/office/powerpoint/2015/09/main" xmlns:p="http://schemas.openxmlformats.org/presentationml/2006/main" type="objTx" preserve="1">
+<p:sldLayout xmlns:a="http://schemas.openxmlformats.org/drawingml/2006/main" xmlns:r="http://schemas.openxmlformats.org/officeDocument/2006/relationships" xmlns:m="http://schemas.openxmlformats.org/officeDocument/2006/math" xmlns:w="http://schemas.openxmlformats.org/wordprocessingml/2006/main" xmlns:wp="http://schemas.openxmlformats.org/drawingml/2006/wordprocessingDrawing" xmlns:a14="http://schemas.microsoft.com/office/drawing/2010/main" xmlns:mc="http://schemas.openxmlformats.org/markup-compatibility/2006" xmlns:p14="http://schemas.microsoft.com/office/powerpoint/2010/main" xmlns:p15="http://schemas.microsoft.com/office/powerpoint/2012/main" xmlns:p159="http://schemas.microsoft.com/office/powerpoint/2015/09/main" xmlns:p="http://schemas.openxmlformats.org/presentationml/2006/main" type="objTx" preserve="1">
   <p:cSld name="Content with Caption">
     <p:spTree>
       <p:nvGrpSpPr>
-        <p:cNvPr id="1" name=""/>
+        <p:cNvPr id="1" name="" title=""/>
         <p:cNvGrpSpPr/>
         <p:nvPr/>
       </p:nvGrpSpPr>
@@ -2204,7 +2206,7 @@
       </p:grpSpPr>
       <p:sp>
         <p:nvSpPr>
-          <p:cNvPr id="2" name="Title 1"/>
+          <p:cNvPr id="2" name="Title 1" title=""/>
           <p:cNvSpPr>
             <a:spLocks noGrp="1"/>
           </p:cNvSpPr>
@@ -2231,7 +2233,7 @@
       </p:sp>
       <p:sp>
         <p:nvSpPr>
-          <p:cNvPr id="3" name="Content Placeholder 2"/>
+          <p:cNvPr id="3" name="Content Placeholder 2" title=""/>
           <p:cNvSpPr>
             <a:spLocks noGrp="1"/>
           </p:cNvSpPr>
@@ -2310,7 +2312,7 @@
       </p:sp>
       <p:sp>
         <p:nvSpPr>
-          <p:cNvPr id="4" name="Text Placeholder 3"/>
+          <p:cNvPr id="4" name="Text Placeholder 3" title=""/>
           <p:cNvSpPr>
             <a:spLocks noGrp="1"/>
           </p:cNvSpPr>
@@ -2369,7 +2371,7 @@
       </p:sp>
       <p:sp>
         <p:nvSpPr>
-          <p:cNvPr id="5" name="Date Placeholder 4"/>
+          <p:cNvPr id="5" name="Date Placeholder 4" title=""/>
           <p:cNvSpPr>
             <a:spLocks noGrp="1"/>
           </p:cNvSpPr>
@@ -2382,7 +2384,7 @@
           <a:bodyPr/>
           <a:lstStyle/>
           <a:p>
-            <a:fld id="{4E054719-2FAF-49B2-B750-FB7B981CE476}" type="datetimeFigureOut">
+            <a:fld id="{56B01C29-3F91-4A2A-B5F5-7772CE2C784C}" type="datetimeFigureOut">
               <a:rPr lang="en-US" smtClean="0"/>
               <a:t>11/7/2009</a:t>
             </a:fld>
@@ -2392,7 +2394,7 @@
       </p:sp>
       <p:sp>
         <p:nvSpPr>
-          <p:cNvPr id="6" name="Footer Placeholder 5"/>
+          <p:cNvPr id="6" name="Footer Placeholder 5" title=""/>
           <p:cNvSpPr>
             <a:spLocks noGrp="1"/>
           </p:cNvSpPr>
@@ -2411,7 +2413,7 @@
       </p:sp>
       <p:sp>
         <p:nvSpPr>
-          <p:cNvPr id="7" name="Slide Number Placeholder 6"/>
+          <p:cNvPr id="7" name="Slide Number Placeholder 6" title=""/>
           <p:cNvSpPr>
             <a:spLocks noGrp="1"/>
           </p:cNvSpPr>
@@ -2443,11 +2445,11 @@
 </file>
 
 <file path=ppt/slideLayouts/slideLayout9.xml><?xml version="1.0" encoding="utf-8"?>
-<p:sldLayout xmlns:a="http://schemas.openxmlformats.org/drawingml/2006/main" xmlns:r="http://schemas.openxmlformats.org/officeDocument/2006/relationships" xmlns:p14="http://schemas.microsoft.com/office/powerpoint/2010/main" xmlns:a14="http://schemas.microsoft.com/office/drawing/2010/main" xmlns:p15="http://schemas.microsoft.com/office/powerpoint/2012/main" xmlns:p159="http://schemas.microsoft.com/office/powerpoint/2015/09/main" xmlns:p="http://schemas.openxmlformats.org/presentationml/2006/main" type="picTx" preserve="1">
+<p:sldLayout xmlns:a="http://schemas.openxmlformats.org/drawingml/2006/main" xmlns:r="http://schemas.openxmlformats.org/officeDocument/2006/relationships" xmlns:m="http://schemas.openxmlformats.org/officeDocument/2006/math" xmlns:w="http://schemas.openxmlformats.org/wordprocessingml/2006/main" xmlns:wp="http://schemas.openxmlformats.org/drawingml/2006/wordprocessingDrawing" xmlns:a14="http://schemas.microsoft.com/office/drawing/2010/main" xmlns:mc="http://schemas.openxmlformats.org/markup-compatibility/2006" xmlns:p14="http://schemas.microsoft.com/office/powerpoint/2010/main" xmlns:p15="http://schemas.microsoft.com/office/powerpoint/2012/main" xmlns:p159="http://schemas.microsoft.com/office/powerpoint/2015/09/main" xmlns:p="http://schemas.openxmlformats.org/presentationml/2006/main" type="picTx" preserve="1">
   <p:cSld name="Picture with Caption">
     <p:spTree>
       <p:nvGrpSpPr>
-        <p:cNvPr id="1" name=""/>
+        <p:cNvPr id="1" name="" title=""/>
         <p:cNvGrpSpPr/>
         <p:nvPr/>
       </p:nvGrpSpPr>
@@ -2459,7 +2461,7 @@
       </p:grpSpPr>
       <p:sp>
         <p:nvSpPr>
-          <p:cNvPr id="2" name="Title 1"/>
+          <p:cNvPr id="2" name="Title 1" title=""/>
           <p:cNvSpPr>
             <a:spLocks noGrp="1"/>
           </p:cNvSpPr>
@@ -2486,7 +2488,7 @@
       </p:sp>
       <p:sp>
         <p:nvSpPr>
-          <p:cNvPr id="3" name="Picture Placeholder 2"/>
+          <p:cNvPr id="3" name="Picture Placeholder 2" title=""/>
           <p:cNvSpPr>
             <a:spLocks noGrp="1"/>
           </p:cNvSpPr>
@@ -2542,7 +2544,7 @@
       </p:sp>
       <p:sp>
         <p:nvSpPr>
-          <p:cNvPr id="4" name="Text Placeholder 3"/>
+          <p:cNvPr id="4" name="Text Placeholder 3" title=""/>
           <p:cNvSpPr>
             <a:spLocks noGrp="1"/>
           </p:cNvSpPr>
@@ -2601,7 +2603,7 @@
       </p:sp>
       <p:sp>
         <p:nvSpPr>
-          <p:cNvPr id="5" name="Date Placeholder 4"/>
+          <p:cNvPr id="5" name="Date Placeholder 4" title=""/>
           <p:cNvSpPr>
             <a:spLocks noGrp="1"/>
           </p:cNvSpPr>
@@ -2614,7 +2616,7 @@
           <a:bodyPr/>
           <a:lstStyle/>
           <a:p>
-            <a:fld id="{2E1B4B45-8059-4C3B-9F4C-7E2C3FAFFEE9}" type="datetimeFigureOut">
+            <a:fld id="{E5CFC7C2-13AD-4FF1-B10A-FA5BB4563976}" type="datetimeFigureOut">
               <a:rPr lang="en-US" smtClean="0"/>
               <a:t>11/7/2009</a:t>
             </a:fld>
@@ -2624,7 +2626,7 @@
       </p:sp>
       <p:sp>
         <p:nvSpPr>
-          <p:cNvPr id="6" name="Footer Placeholder 5"/>
+          <p:cNvPr id="6" name="Footer Placeholder 5" title=""/>
           <p:cNvSpPr>
             <a:spLocks noGrp="1"/>
           </p:cNvSpPr>
@@ -2643,7 +2645,7 @@
       </p:sp>
       <p:sp>
         <p:nvSpPr>
-          <p:cNvPr id="7" name="Slide Number Placeholder 6"/>
+          <p:cNvPr id="7" name="Slide Number Placeholder 6" title=""/>
           <p:cNvSpPr>
             <a:spLocks noGrp="1"/>
           </p:cNvSpPr>
@@ -2675,7 +2677,7 @@
 </file>
 
 <file path=ppt/slideMasters/slideMaster1.xml><?xml version="1.0" encoding="utf-8"?>
-<p:sldMaster xmlns:a="http://schemas.openxmlformats.org/drawingml/2006/main" xmlns:r="http://schemas.openxmlformats.org/officeDocument/2006/relationships" xmlns:p14="http://schemas.microsoft.com/office/powerpoint/2010/main" xmlns:a14="http://schemas.microsoft.com/office/drawing/2010/main" xmlns:p15="http://schemas.microsoft.com/office/powerpoint/2012/main" xmlns:p159="http://schemas.microsoft.com/office/powerpoint/2015/09/main" xmlns:p="http://schemas.openxmlformats.org/presentationml/2006/main">
+<p:sldMaster xmlns:a="http://schemas.openxmlformats.org/drawingml/2006/main" xmlns:r="http://schemas.openxmlformats.org/officeDocument/2006/relationships" xmlns:m="http://schemas.openxmlformats.org/officeDocument/2006/math" xmlns:w="http://schemas.openxmlformats.org/wordprocessingml/2006/main" xmlns:wp="http://schemas.openxmlformats.org/drawingml/2006/wordprocessingDrawing" xmlns:a14="http://schemas.microsoft.com/office/drawing/2010/main" xmlns:mc="http://schemas.openxmlformats.org/markup-compatibility/2006" xmlns:p14="http://schemas.microsoft.com/office/powerpoint/2010/main" xmlns:p15="http://schemas.microsoft.com/office/powerpoint/2012/main" xmlns:p159="http://schemas.microsoft.com/office/powerpoint/2015/09/main" xmlns:p="http://schemas.openxmlformats.org/presentationml/2006/main">
   <p:cSld>
     <p:bg>
       <p:bgRef idx="1001">
@@ -2684,7 +2686,7 @@
     </p:bg>
     <p:spTree>
       <p:nvGrpSpPr>
-        <p:cNvPr id="1" name=""/>
+        <p:cNvPr id="1" name="" title=""/>
         <p:cNvGrpSpPr/>
         <p:nvPr/>
       </p:nvGrpSpPr>
@@ -2696,7 +2698,7 @@
       </p:grpSpPr>
       <p:sp>
         <p:nvSpPr>
-          <p:cNvPr id="2" name="Title Placeholder 1"/>
+          <p:cNvPr id="2" name="Title Placeholder 1" title=""/>
           <p:cNvSpPr>
             <a:spLocks noGrp="1"/>
           </p:cNvSpPr>
@@ -2729,7 +2731,7 @@
       </p:sp>
       <p:sp>
         <p:nvSpPr>
-          <p:cNvPr id="3" name="Text Placeholder 2"/>
+          <p:cNvPr id="3" name="Text Placeholder 2" title=""/>
           <p:cNvSpPr>
             <a:spLocks noGrp="1"/>
           </p:cNvSpPr>
@@ -2790,7 +2792,7 @@
       </p:sp>
       <p:sp>
         <p:nvSpPr>
-          <p:cNvPr id="4" name="Date Placeholder 3"/>
+          <p:cNvPr id="4" name="Date Placeholder 3" title=""/>
           <p:cNvSpPr>
             <a:spLocks noGrp="1"/>
           </p:cNvSpPr>
@@ -2831,7 +2833,7 @@
       </p:sp>
       <p:sp>
         <p:nvSpPr>
-          <p:cNvPr id="5" name="Footer Placeholder 4"/>
+          <p:cNvPr id="5" name="Footer Placeholder 4" title=""/>
           <p:cNvSpPr>
             <a:spLocks noGrp="1"/>
           </p:cNvSpPr>
@@ -2868,7 +2870,7 @@
       </p:sp>
       <p:sp>
         <p:nvSpPr>
-          <p:cNvPr id="6" name="Slide Number Placeholder 5"/>
+          <p:cNvPr id="6" name="Slide Number Placeholder 5" title=""/>
           <p:cNvSpPr>
             <a:spLocks noGrp="1"/>
           </p:cNvSpPr>
@@ -3179,11 +3181,11 @@
 </file>
 
 <file path=ppt/slides/slide1.xml><?xml version="1.0" encoding="utf-8"?>
-<p:sld xmlns:a="http://schemas.openxmlformats.org/drawingml/2006/main" xmlns:r="http://schemas.openxmlformats.org/officeDocument/2006/relationships" xmlns:p14="http://schemas.microsoft.com/office/powerpoint/2010/main" xmlns:a14="http://schemas.microsoft.com/office/drawing/2010/main" xmlns:p15="http://schemas.microsoft.com/office/powerpoint/2012/main" xmlns:p159="http://schemas.microsoft.com/office/powerpoint/2015/09/main" xmlns:p="http://schemas.openxmlformats.org/presentationml/2006/main">
+<p:sld xmlns:a="http://schemas.openxmlformats.org/drawingml/2006/main" xmlns:r="http://schemas.openxmlformats.org/officeDocument/2006/relationships" xmlns:m="http://schemas.openxmlformats.org/officeDocument/2006/math" xmlns:w="http://schemas.openxmlformats.org/wordprocessingml/2006/main" xmlns:wp="http://schemas.openxmlformats.org/drawingml/2006/wordprocessingDrawing" xmlns:a14="http://schemas.microsoft.com/office/drawing/2010/main" xmlns:mc="http://schemas.openxmlformats.org/markup-compatibility/2006" xmlns:p14="http://schemas.microsoft.com/office/powerpoint/2010/main" xmlns:p15="http://schemas.microsoft.com/office/powerpoint/2012/main" xmlns:p159="http://schemas.microsoft.com/office/powerpoint/2015/09/main" xmlns:p="http://schemas.openxmlformats.org/presentationml/2006/main">
   <p:cSld name="">
     <p:spTree>
       <p:nvGrpSpPr>
-        <p:cNvPr id="1" name=""/>
+        <p:cNvPr id="1" name="" title=""/>
         <p:cNvGrpSpPr/>
         <p:nvPr/>
       </p:nvGrpSpPr>
@@ -3195,7 +3197,7 @@
       </p:grpSpPr>
       <p:graphicFrame>
         <p:nvGraphicFramePr>
-          <p:cNvPr id="2" name="ChartObject"/>
+          <p:cNvPr id="2" name="ChartObject" title=""/>
           <p:cNvGraphicFramePr/>
           <p:nvPr/>
         </p:nvGraphicFramePr>
@@ -3209,6 +3211,77 @@
           </a:graphicData>
         </a:graphic>
       </p:graphicFrame>
+      <p:sp>
+        <p:nvSpPr>
+          <p:cNvPr id="3" name="TextBox"/>
+          <p:cNvSpPr txBox="1">
+            <a:spLocks noGrp="1" noSelect="1" noRot="1" noMove="1"/>
+          </p:cNvSpPr>
+          <p:nvPr/>
+        </p:nvSpPr>
+        <p:spPr>
+          <a:xfrm>
+            <a:off x="1366520" y="2644140"/>
+            <a:ext cx="6411372" cy="1569660"/>
+          </a:xfrm>
+          <a:prstGeom prst="rect">
+            <a:avLst/>
+          </a:prstGeom>
+          <a:noFill/>
+        </p:spPr>
+        <p:txBody>
+          <a:bodyPr wrap="none" rtlCol="0" anchor="ctr" anchorCtr="1">
+            <a:spAutoFit/>
+          </a:bodyPr>
+          <a:lstStyle>
+            <a:lvl1pPr algn="l">
+              <a:lnSpc>
+                <a:spcPct val="150000"/>
+              </a:lnSpc>
+              <a:spcBef>
+                <a:spcPct val="0"/>
+              </a:spcBef>
+              <a:spcAft>
+                <a:spcPct val="0"/>
+              </a:spcAft>
+              <a:defRPr lang="en-US" sz="3200" b="1" noProof="1" dirty="0">
+                <a:solidFill>
+                  <a:prstClr val="red">
+                    <a:lumOff val="30000"/>
+                    <a:alpha val="40000"/>
+                  </a:prstClr>
+                </a:solidFill>
+                <a:effectLst>
+                  <a:outerShdw blurRad="50800" dist="38100" algn="tr" rotWithShape="0">
+                    <a:prstClr val="black">
+                      <a:alpha val="80000"/>
+                    </a:prstClr>
+                  </a:outerShdw>
+                </a:effectLst>
+                <a:latin typeface="Calibri" pitchFamily="34" charset="0"/>
+              </a:defRPr>
+            </a:lvl1pPr>
+          </a:lstStyle>
+          <a:p>
+            <a:pPr algn="ctr"/>
+            <a:r>
+              <a:t>Evaluation only.</a:t>
+            </a:r>
+          </a:p>
+          <a:p>
+            <a:pPr algn="ctr"/>
+            <a:r>
+              <a:t>Created with Aspose.Slides for .NET 4.0 Client Profile 21.12.</a:t>
+            </a:r>
+          </a:p>
+          <a:p>
+            <a:pPr algn="ctr"/>
+            <a:r>
+              <a:t>Copyright 2004-2021Aspose Pty Ltd.</a:t>
+            </a:r>
+          </a:p>
+        </p:txBody>
+      </p:sp>
     </p:spTree>
   </p:cSld>
   <p:clrMapOvr>
@@ -3222,10 +3295,10 @@
 <file path=ppt/tags/tag1.xml><?xml version="1.0" encoding="utf-8"?>
 <p:tagLst xmlns:p="http://schemas.openxmlformats.org/presentationml/2006/main">
   <p:tag name="AS_NET" val="4.0.30319.42000"/>
-  <p:tag name="AS_OS" val="Microsoft Windows NT 6.2.9200.0"/>
-  <p:tag name="AS_RELEASE_DATE" val="2019.06.14"/>
+  <p:tag name="AS_OS" val="Microsoft Windows NT 6.3.9600.0"/>
+  <p:tag name="AS_RELEASE_DATE" val="2021.12.14"/>
   <p:tag name="AS_TITLE" val="Aspose.Slides for .NET 4.0 Client Profile"/>
-  <p:tag name="AS_VERSION" val="19.6"/>
+  <p:tag name="AS_VERSION" val="21.12"/>
 </p:tagLst>
 </file>
 
